--- a/flutter,python and web pitch deck.pptx
+++ b/flutter,python and web pitch deck.pptx
@@ -9914,7 +9914,7 @@
                 <a:latin typeface="Times New Roman" panose="02020603050405020304" pitchFamily="18" charset="0"/>
                 <a:cs typeface="Times New Roman" panose="02020603050405020304" pitchFamily="18" charset="0"/>
               </a:rPr>
-              <a:t>nodejs</a:t>
+              <a:t>nodejs,html</a:t>
             </a:r>
             <a:r>
               <a:rPr lang="en-US" sz="3600" dirty="0">
@@ -9924,7 +9924,7 @@
                 <a:latin typeface="Times New Roman" panose="02020603050405020304" pitchFamily="18" charset="0"/>
                 <a:cs typeface="Times New Roman" panose="02020603050405020304" pitchFamily="18" charset="0"/>
               </a:rPr>
-              <a:t> and html) for both iOS and Android platforms.</a:t>
+              <a:t> and MySQL database) for both iOS and Android platforms.</a:t>
             </a:r>
           </a:p>
         </p:txBody>
